--- a/docs/diagrams/TransferCommand.pptx
+++ b/docs/diagrams/TransferCommand.pptx
@@ -104,6 +104,11 @@
       </a:defRPr>
     </a:lvl9pPr>
   </p:defaultTextStyle>
+  <p:extLst>
+    <p:ext uri="{EFAFB233-063F-42B5-8137-9DF3F51BA10A}">
+      <p15:sldGuideLst xmlns:p15="http://schemas.microsoft.com/office/powerpoint/2012/main"/>
+    </p:ext>
+  </p:extLst>
 </p:presentation>
 </file>
 
@@ -256,7 +261,7 @@
           <a:p>
             <a:fld id="{EEF73800-502F-874A-B362-A30239B000A4}" type="datetimeFigureOut">
               <a:rPr lang="en-US" smtClean="0"/>
-              <a:t>10/22/19</a:t>
+              <a:t>10/31/19</a:t>
             </a:fld>
             <a:endParaRPr lang="en-US"/>
           </a:p>
@@ -456,7 +461,7 @@
           <a:p>
             <a:fld id="{EEF73800-502F-874A-B362-A30239B000A4}" type="datetimeFigureOut">
               <a:rPr lang="en-US" smtClean="0"/>
-              <a:t>10/22/19</a:t>
+              <a:t>10/31/19</a:t>
             </a:fld>
             <a:endParaRPr lang="en-US"/>
           </a:p>
@@ -666,7 +671,7 @@
           <a:p>
             <a:fld id="{EEF73800-502F-874A-B362-A30239B000A4}" type="datetimeFigureOut">
               <a:rPr lang="en-US" smtClean="0"/>
-              <a:t>10/22/19</a:t>
+              <a:t>10/31/19</a:t>
             </a:fld>
             <a:endParaRPr lang="en-US"/>
           </a:p>
@@ -866,7 +871,7 @@
           <a:p>
             <a:fld id="{EEF73800-502F-874A-B362-A30239B000A4}" type="datetimeFigureOut">
               <a:rPr lang="en-US" smtClean="0"/>
-              <a:t>10/22/19</a:t>
+              <a:t>10/31/19</a:t>
             </a:fld>
             <a:endParaRPr lang="en-US"/>
           </a:p>
@@ -1142,7 +1147,7 @@
           <a:p>
             <a:fld id="{EEF73800-502F-874A-B362-A30239B000A4}" type="datetimeFigureOut">
               <a:rPr lang="en-US" smtClean="0"/>
-              <a:t>10/22/19</a:t>
+              <a:t>10/31/19</a:t>
             </a:fld>
             <a:endParaRPr lang="en-US"/>
           </a:p>
@@ -1410,7 +1415,7 @@
           <a:p>
             <a:fld id="{EEF73800-502F-874A-B362-A30239B000A4}" type="datetimeFigureOut">
               <a:rPr lang="en-US" smtClean="0"/>
-              <a:t>10/22/19</a:t>
+              <a:t>10/31/19</a:t>
             </a:fld>
             <a:endParaRPr lang="en-US"/>
           </a:p>
@@ -1825,7 +1830,7 @@
           <a:p>
             <a:fld id="{EEF73800-502F-874A-B362-A30239B000A4}" type="datetimeFigureOut">
               <a:rPr lang="en-US" smtClean="0"/>
-              <a:t>10/22/19</a:t>
+              <a:t>10/31/19</a:t>
             </a:fld>
             <a:endParaRPr lang="en-US"/>
           </a:p>
@@ -1967,7 +1972,7 @@
           <a:p>
             <a:fld id="{EEF73800-502F-874A-B362-A30239B000A4}" type="datetimeFigureOut">
               <a:rPr lang="en-US" smtClean="0"/>
-              <a:t>10/22/19</a:t>
+              <a:t>10/31/19</a:t>
             </a:fld>
             <a:endParaRPr lang="en-US"/>
           </a:p>
@@ -2080,7 +2085,7 @@
           <a:p>
             <a:fld id="{EEF73800-502F-874A-B362-A30239B000A4}" type="datetimeFigureOut">
               <a:rPr lang="en-US" smtClean="0"/>
-              <a:t>10/22/19</a:t>
+              <a:t>10/31/19</a:t>
             </a:fld>
             <a:endParaRPr lang="en-US"/>
           </a:p>
@@ -2393,7 +2398,7 @@
           <a:p>
             <a:fld id="{EEF73800-502F-874A-B362-A30239B000A4}" type="datetimeFigureOut">
               <a:rPr lang="en-US" smtClean="0"/>
-              <a:t>10/22/19</a:t>
+              <a:t>10/31/19</a:t>
             </a:fld>
             <a:endParaRPr lang="en-US"/>
           </a:p>
@@ -2682,7 +2687,7 @@
           <a:p>
             <a:fld id="{EEF73800-502F-874A-B362-A30239B000A4}" type="datetimeFigureOut">
               <a:rPr lang="en-US" smtClean="0"/>
-              <a:t>10/22/19</a:t>
+              <a:t>10/31/19</a:t>
             </a:fld>
             <a:endParaRPr lang="en-US"/>
           </a:p>
@@ -2925,7 +2930,7 @@
           <a:p>
             <a:fld id="{EEF73800-502F-874A-B362-A30239B000A4}" type="datetimeFigureOut">
               <a:rPr lang="en-US" smtClean="0"/>
-              <a:t>10/22/19</a:t>
+              <a:t>10/31/19</a:t>
             </a:fld>
             <a:endParaRPr lang="en-US"/>
           </a:p>
@@ -3344,10 +3349,10 @@
       </p:grpSpPr>
       <p:grpSp>
         <p:nvGrpSpPr>
-          <p:cNvPr id="4" name="Group 3">
+          <p:cNvPr id="96" name="Group 95">
             <a:extLst>
               <a:ext uri="{FF2B5EF4-FFF2-40B4-BE49-F238E27FC236}">
-                <a16:creationId xmlns:a16="http://schemas.microsoft.com/office/drawing/2014/main" id="{F9A689EC-414D-B142-A803-B49B93F65BAC}"/>
+                <a16:creationId xmlns:a16="http://schemas.microsoft.com/office/drawing/2014/main" id="{3FA9D6B9-86A3-B04A-B8F4-AC51997D4329}"/>
               </a:ext>
             </a:extLst>
           </p:cNvPr>
@@ -3356,10 +3361,10 @@
         </p:nvGrpSpPr>
         <p:grpSpPr>
           <a:xfrm>
-            <a:off x="119153" y="80720"/>
-            <a:ext cx="11945417" cy="6777956"/>
-            <a:chOff x="119153" y="80720"/>
-            <a:chExt cx="11945417" cy="6777956"/>
+            <a:off x="119153" y="81366"/>
+            <a:ext cx="11996348" cy="6777310"/>
+            <a:chOff x="119153" y="81366"/>
+            <a:chExt cx="11996348" cy="6777310"/>
           </a:xfrm>
         </p:grpSpPr>
         <p:cxnSp>
@@ -3427,7 +3432,7 @@
             </a:prstGeom>
             <a:ln>
               <a:solidFill>
-                <a:schemeClr val="accent5"/>
+                <a:schemeClr val="accent1"/>
               </a:solidFill>
               <a:prstDash val="sysDash"/>
               <a:tailEnd type="triangle"/>
@@ -3472,7 +3477,7 @@
             </a:prstGeom>
             <a:ln>
               <a:solidFill>
-                <a:schemeClr val="accent5"/>
+                <a:schemeClr val="accent1"/>
               </a:solidFill>
               <a:prstDash val="sysDash"/>
               <a:tailEnd type="triangle"/>
@@ -3516,8 +3521,8 @@
             <a:noFill/>
             <a:ln>
               <a:solidFill>
-                <a:schemeClr val="bg2">
-                  <a:lumMod val="90000"/>
+                <a:schemeClr val="bg1">
+                  <a:lumMod val="50000"/>
                 </a:schemeClr>
               </a:solidFill>
             </a:ln>
@@ -3575,6 +3580,13 @@
                 <a:lumMod val="90000"/>
               </a:schemeClr>
             </a:solidFill>
+            <a:ln>
+              <a:solidFill>
+                <a:schemeClr val="bg1">
+                  <a:lumMod val="50000"/>
+                </a:schemeClr>
+              </a:solidFill>
+            </a:ln>
           </p:spPr>
           <p:txBody>
             <a:bodyPr wrap="square" rtlCol="0" anchor="ctr">
@@ -3702,7 +3714,7 @@
             </a:solidFill>
             <a:ln>
               <a:solidFill>
-                <a:schemeClr val="accent5"/>
+                <a:schemeClr val="accent1"/>
               </a:solidFill>
             </a:ln>
           </p:spPr>
@@ -3761,10 +3773,7 @@
             </a:prstGeom>
             <a:ln>
               <a:solidFill>
-                <a:schemeClr val="accent1">
-                  <a:lumMod val="20000"/>
-                  <a:lumOff val="80000"/>
-                </a:schemeClr>
+                <a:schemeClr val="tx2"/>
               </a:solidFill>
               <a:tailEnd type="triangle"/>
             </a:ln>
@@ -3798,7 +3807,7 @@
           </p:nvSpPr>
           <p:spPr>
             <a:xfrm>
-              <a:off x="5092771" y="96356"/>
+              <a:off x="5092771" y="81366"/>
               <a:ext cx="1304435" cy="273634"/>
             </a:xfrm>
             <a:prstGeom prst="rect">
@@ -3810,6 +3819,11 @@
                 <a:lumOff val="80000"/>
               </a:schemeClr>
             </a:solidFill>
+            <a:ln>
+              <a:solidFill>
+                <a:schemeClr val="tx2"/>
+              </a:solidFill>
+            </a:ln>
           </p:spPr>
           <p:txBody>
             <a:bodyPr wrap="square" rtlCol="0" anchor="ctr">
@@ -3846,18 +3860,15 @@
           </p:nvCxnSpPr>
           <p:spPr>
             <a:xfrm flipH="1">
-              <a:off x="5741611" y="369990"/>
-              <a:ext cx="3378" cy="441758"/>
+              <a:off x="5741611" y="355000"/>
+              <a:ext cx="3378" cy="456748"/>
             </a:xfrm>
             <a:prstGeom prst="line">
               <a:avLst/>
             </a:prstGeom>
             <a:ln>
               <a:solidFill>
-                <a:schemeClr val="accent1">
-                  <a:lumMod val="40000"/>
-                  <a:lumOff val="60000"/>
-                </a:schemeClr>
+                <a:schemeClr val="tx2"/>
               </a:solidFill>
               <a:prstDash val="sysDash"/>
             </a:ln>
@@ -3902,10 +3913,7 @@
             </a:solidFill>
             <a:ln>
               <a:solidFill>
-                <a:schemeClr val="accent1">
-                  <a:lumMod val="20000"/>
-                  <a:lumOff val="80000"/>
-                </a:schemeClr>
+                <a:schemeClr val="tx2"/>
               </a:solidFill>
             </a:ln>
           </p:spPr>
@@ -3961,10 +3969,7 @@
             </a:prstGeom>
             <a:ln>
               <a:solidFill>
-                <a:schemeClr val="accent1">
-                  <a:lumMod val="20000"/>
-                  <a:lumOff val="80000"/>
-                </a:schemeClr>
+                <a:schemeClr val="tx2"/>
               </a:solidFill>
               <a:prstDash val="sysDash"/>
             </a:ln>
@@ -4073,10 +4078,7 @@
             </a:prstGeom>
             <a:ln>
               <a:solidFill>
-                <a:schemeClr val="accent1">
-                  <a:lumMod val="20000"/>
-                  <a:lumOff val="80000"/>
-                </a:schemeClr>
+                <a:schemeClr val="tx2"/>
               </a:solidFill>
               <a:prstDash val="sysDash"/>
               <a:tailEnd type="triangle"/>
@@ -4337,7 +4339,7 @@
           </p:nvSpPr>
           <p:spPr>
             <a:xfrm>
-              <a:off x="8996069" y="80720"/>
+              <a:off x="9054544" y="81905"/>
               <a:ext cx="976773" cy="262800"/>
             </a:xfrm>
             <a:prstGeom prst="rect">
@@ -4387,8 +4389,8 @@
           </p:nvCxnSpPr>
           <p:spPr>
             <a:xfrm>
-              <a:off x="9484456" y="343520"/>
-              <a:ext cx="58475" cy="4085156"/>
+              <a:off x="9542931" y="344705"/>
+              <a:ext cx="0" cy="4083971"/>
             </a:xfrm>
             <a:prstGeom prst="line">
               <a:avLst/>
@@ -4474,7 +4476,7 @@
           </p:nvSpPr>
           <p:spPr>
             <a:xfrm>
-              <a:off x="11078182" y="96358"/>
+              <a:off x="11138728" y="81905"/>
               <a:ext cx="976773" cy="262800"/>
             </a:xfrm>
             <a:prstGeom prst="rect">
@@ -4501,7 +4503,7 @@
             <a:p>
               <a:pPr algn="ctr"/>
               <a:r>
-                <a:rPr lang="en-US" sz="1100">
+                <a:rPr lang="en-US" sz="1100" dirty="0">
                   <a:solidFill>
                     <a:schemeClr val="bg1"/>
                   </a:solidFill>
@@ -4531,8 +4533,8 @@
           </p:nvCxnSpPr>
           <p:spPr>
             <a:xfrm>
-              <a:off x="11566569" y="359158"/>
-              <a:ext cx="60546" cy="5170853"/>
+              <a:off x="11627115" y="344705"/>
+              <a:ext cx="0" cy="5185306"/>
             </a:xfrm>
             <a:prstGeom prst="line">
               <a:avLst/>
@@ -4719,16 +4721,16 @@
           </p:nvCxnSpPr>
           <p:spPr>
             <a:xfrm flipV="1">
-              <a:off x="586349" y="668589"/>
-              <a:ext cx="1398246" cy="9404"/>
+              <a:off x="556369" y="653599"/>
+              <a:ext cx="1411200" cy="0"/>
             </a:xfrm>
             <a:prstGeom prst="straightConnector1">
               <a:avLst/>
             </a:prstGeom>
             <a:ln>
               <a:solidFill>
-                <a:schemeClr val="bg2">
-                  <a:lumMod val="90000"/>
+                <a:schemeClr val="bg1">
+                  <a:lumMod val="50000"/>
                 </a:schemeClr>
               </a:solidFill>
               <a:tailEnd type="triangle"/>
@@ -5126,20 +5128,20 @@
             <a:lstStyle/>
             <a:p>
               <a:r>
-                <a:rPr lang="en-US" sz="1100">
+                <a:rPr lang="en-US" sz="1100" dirty="0" err="1">
                   <a:latin typeface="Arial" panose="020B0604020202020204" pitchFamily="34" charset="0"/>
                   <a:cs typeface="Arial" panose="020B0604020202020204" pitchFamily="34" charset="0"/>
                 </a:rPr>
                 <a:t>bankListIsSufficientFor</a:t>
               </a:r>
               <a:br>
-                <a:rPr lang="en-US" sz="1100">
+                <a:rPr lang="en-US" sz="1100" dirty="0">
                   <a:latin typeface="Arial" panose="020B0604020202020204" pitchFamily="34" charset="0"/>
                   <a:cs typeface="Arial" panose="020B0604020202020204" pitchFamily="34" charset="0"/>
                 </a:rPr>
               </a:br>
               <a:r>
-                <a:rPr lang="en-US" sz="1100">
+                <a:rPr lang="en-US" sz="1100" dirty="0">
                   <a:latin typeface="Arial" panose="020B0604020202020204" pitchFamily="34" charset="0"/>
                   <a:cs typeface="Arial" panose="020B0604020202020204" pitchFamily="34" charset="0"/>
                 </a:rPr>
@@ -5172,10 +5174,7 @@
             </a:prstGeom>
             <a:ln>
               <a:solidFill>
-                <a:schemeClr val="accent1">
-                  <a:lumMod val="20000"/>
-                  <a:lumOff val="80000"/>
-                </a:schemeClr>
+                <a:schemeClr val="tx2"/>
               </a:solidFill>
               <a:tailEnd type="triangle"/>
             </a:ln>
@@ -5257,10 +5256,7 @@
             </a:prstGeom>
             <a:ln>
               <a:solidFill>
-                <a:schemeClr val="accent1">
-                  <a:lumMod val="20000"/>
-                  <a:lumOff val="80000"/>
-                </a:schemeClr>
+                <a:schemeClr val="tx2"/>
               </a:solidFill>
               <a:prstDash val="sysDash"/>
               <a:tailEnd type="triangle"/>
@@ -5355,7 +5351,7 @@
           <p:spPr>
             <a:xfrm>
               <a:off x="3973623" y="2378708"/>
-              <a:ext cx="779381" cy="261610"/>
+              <a:ext cx="1289135" cy="261610"/>
             </a:xfrm>
             <a:prstGeom prst="rect">
               <a:avLst/>
@@ -5369,12 +5365,16 @@
             <a:lstStyle/>
             <a:p>
               <a:r>
-                <a:rPr lang="en-US" sz="1100">
+                <a:rPr lang="en-US" sz="1100" dirty="0" err="1">
                   <a:latin typeface="Arial" panose="020B0604020202020204" pitchFamily="34" charset="0"/>
                   <a:cs typeface="Arial" panose="020B0604020202020204" pitchFamily="34" charset="0"/>
                 </a:rPr>
-                <a:t>fromType</a:t>
+                <a:t>fromAccountType</a:t>
               </a:r>
+              <a:endParaRPr lang="en-US" sz="1100" dirty="0">
+                <a:latin typeface="Arial" panose="020B0604020202020204" pitchFamily="34" charset="0"/>
+                <a:cs typeface="Arial" panose="020B0604020202020204" pitchFamily="34" charset="0"/>
+              </a:endParaRPr>
             </a:p>
           </p:txBody>
         </p:sp>
@@ -5397,17 +5397,14 @@
           <p:spPr>
             <a:xfrm>
               <a:off x="5741611" y="2611748"/>
-              <a:ext cx="15817" cy="436229"/>
+              <a:ext cx="0" cy="436229"/>
             </a:xfrm>
             <a:prstGeom prst="line">
               <a:avLst/>
             </a:prstGeom>
             <a:ln>
               <a:solidFill>
-                <a:schemeClr val="accent1">
-                  <a:lumMod val="40000"/>
-                  <a:lumOff val="60000"/>
-                </a:schemeClr>
+                <a:schemeClr val="tx2"/>
               </a:solidFill>
               <a:prstDash val="sysDash"/>
             </a:ln>
@@ -5452,10 +5449,7 @@
             </a:solidFill>
             <a:ln>
               <a:solidFill>
-                <a:schemeClr val="accent1">
-                  <a:lumMod val="20000"/>
-                  <a:lumOff val="80000"/>
-                </a:schemeClr>
+                <a:schemeClr val="tx2"/>
               </a:solidFill>
             </a:ln>
           </p:spPr>
@@ -5721,10 +5715,7 @@
             </a:prstGeom>
             <a:ln>
               <a:solidFill>
-                <a:schemeClr val="accent1">
-                  <a:lumMod val="20000"/>
-                  <a:lumOff val="80000"/>
-                </a:schemeClr>
+                <a:schemeClr val="tx2"/>
               </a:solidFill>
               <a:tailEnd type="triangle"/>
             </a:ln>
@@ -5806,10 +5797,7 @@
             </a:prstGeom>
             <a:ln>
               <a:solidFill>
-                <a:schemeClr val="accent1">
-                  <a:lumMod val="20000"/>
-                  <a:lumOff val="80000"/>
-                </a:schemeClr>
+                <a:schemeClr val="tx2"/>
               </a:solidFill>
               <a:prstDash val="sysDash"/>
               <a:tailEnd type="triangle"/>
@@ -6124,7 +6112,7 @@
             </a:prstGeom>
             <a:ln>
               <a:solidFill>
-                <a:schemeClr val="accent5"/>
+                <a:schemeClr val="accent1"/>
               </a:solidFill>
               <a:tailEnd type="triangle"/>
             </a:ln>
@@ -6204,7 +6192,7 @@
             </a:prstGeom>
             <a:ln>
               <a:solidFill>
-                <a:schemeClr val="accent5"/>
+                <a:schemeClr val="accent1"/>
               </a:solidFill>
               <a:tailEnd type="triangle"/>
             </a:ln>
@@ -6248,7 +6236,7 @@
             </a:prstGeom>
             <a:ln>
               <a:solidFill>
-                <a:schemeClr val="accent5"/>
+                <a:schemeClr val="accent1"/>
               </a:solidFill>
               <a:prstDash val="sysDash"/>
               <a:tailEnd type="triangle"/>
@@ -6331,10 +6319,7 @@
             </a:prstGeom>
             <a:ln>
               <a:solidFill>
-                <a:schemeClr val="accent1">
-                  <a:lumMod val="20000"/>
-                  <a:lumOff val="80000"/>
-                </a:schemeClr>
+                <a:schemeClr val="tx2"/>
               </a:solidFill>
               <a:prstDash val="sysDash"/>
             </a:ln>
@@ -6508,6 +6493,9 @@
               <a:avLst/>
             </a:prstGeom>
             <a:ln>
+              <a:solidFill>
+                <a:schemeClr val="accent1"/>
+              </a:solidFill>
               <a:tailEnd type="triangle"/>
             </a:ln>
           </p:spPr>
@@ -6575,19 +6563,21 @@
             </p:cNvPr>
             <p:cNvCxnSpPr>
               <a:cxnSpLocks/>
-              <a:stCxn id="31" idx="2"/>
             </p:cNvCxnSpPr>
             <p:nvPr/>
           </p:nvCxnSpPr>
           <p:spPr>
             <a:xfrm flipH="1">
-              <a:off x="3962264" y="5710011"/>
-              <a:ext cx="7664851" cy="0"/>
+              <a:off x="3947975" y="5710011"/>
+              <a:ext cx="7668000" cy="0"/>
             </a:xfrm>
             <a:prstGeom prst="straightConnector1">
               <a:avLst/>
             </a:prstGeom>
             <a:ln>
+              <a:solidFill>
+                <a:schemeClr val="accent1"/>
+              </a:solidFill>
               <a:prstDash val="sysDash"/>
               <a:tailEnd type="triangle"/>
             </a:ln>
@@ -6704,7 +6694,7 @@
           </p:nvSpPr>
           <p:spPr>
             <a:xfrm rot="10800000" flipH="1">
-              <a:off x="3325369" y="5792740"/>
+              <a:off x="3327296" y="5798979"/>
               <a:ext cx="370009" cy="247136"/>
             </a:xfrm>
             <a:prstGeom prst="snipRoundRect">
@@ -6872,7 +6862,7 @@
           </p:nvSpPr>
           <p:spPr>
             <a:xfrm>
-              <a:off x="941708" y="6160011"/>
+              <a:off x="971688" y="6204981"/>
               <a:ext cx="522900" cy="261610"/>
             </a:xfrm>
             <a:prstGeom prst="rect">
@@ -6887,7 +6877,7 @@
             <a:lstStyle/>
             <a:p>
               <a:r>
-                <a:rPr lang="en-US" sz="1100">
+                <a:rPr lang="en-US" sz="1100" dirty="0">
                   <a:latin typeface="Arial" panose="020B0604020202020204" pitchFamily="34" charset="0"/>
                   <a:cs typeface="Arial" panose="020B0604020202020204" pitchFamily="34" charset="0"/>
                 </a:rPr>
@@ -6912,16 +6902,16 @@
           </p:nvCxnSpPr>
           <p:spPr>
             <a:xfrm flipH="1">
-              <a:off x="586349" y="6400013"/>
-              <a:ext cx="1475999" cy="0"/>
+              <a:off x="541378" y="6415003"/>
+              <a:ext cx="1548000" cy="0"/>
             </a:xfrm>
             <a:prstGeom prst="straightConnector1">
               <a:avLst/>
             </a:prstGeom>
             <a:ln>
               <a:solidFill>
-                <a:schemeClr val="bg2">
-                  <a:lumMod val="90000"/>
+                <a:schemeClr val="bg1">
+                  <a:lumMod val="50000"/>
                 </a:schemeClr>
               </a:solidFill>
               <a:prstDash val="sysDash"/>
@@ -7065,7 +7055,7 @@
             <a:lstStyle/>
             <a:p>
               <a:r>
-                <a:rPr lang="en-US" sz="1100">
+                <a:rPr lang="en-US" sz="1100" dirty="0">
                   <a:latin typeface="Arial" panose="020B0604020202020204" pitchFamily="34" charset="0"/>
                   <a:cs typeface="Arial" panose="020B0604020202020204" pitchFamily="34" charset="0"/>
                 </a:rPr>
@@ -7188,7 +7178,7 @@
           <p:spPr>
             <a:xfrm>
               <a:off x="119153" y="393304"/>
-              <a:ext cx="11945417" cy="6368338"/>
+              <a:ext cx="11992970" cy="6368338"/>
             </a:xfrm>
             <a:prstGeom prst="rect">
               <a:avLst/>
@@ -7216,7 +7206,7 @@
             <a:lstStyle/>
             <a:p>
               <a:pPr algn="ctr"/>
-              <a:endParaRPr lang="en-US"/>
+              <a:endParaRPr lang="en-US" dirty="0"/>
             </a:p>
           </p:txBody>
         </p:sp>
@@ -7261,10 +7251,10 @@
         </p:sp>
         <p:sp>
           <p:nvSpPr>
-            <p:cNvPr id="87" name="TextBox 86">
-              <a:extLst>
-                <a:ext uri="{FF2B5EF4-FFF2-40B4-BE49-F238E27FC236}">
-                  <a16:creationId xmlns:a16="http://schemas.microsoft.com/office/drawing/2014/main" id="{21EAA4E7-8665-3F46-96D7-96A6788B7FF0}"/>
+            <p:cNvPr id="95" name="TextBox 94">
+              <a:extLst>
+                <a:ext uri="{FF2B5EF4-FFF2-40B4-BE49-F238E27FC236}">
+                  <a16:creationId xmlns:a16="http://schemas.microsoft.com/office/drawing/2014/main" id="{E8407043-6134-1649-B956-94C506AF8FBD}"/>
                 </a:ext>
               </a:extLst>
             </p:cNvPr>
@@ -7273,7 +7263,7 @@
           </p:nvSpPr>
           <p:spPr>
             <a:xfrm>
-              <a:off x="3317262" y="5783310"/>
+              <a:off x="3331935" y="5791329"/>
               <a:ext cx="391582" cy="261610"/>
             </a:xfrm>
             <a:prstGeom prst="rect">
@@ -7288,7 +7278,7 @@
             <a:lstStyle/>
             <a:p>
               <a:r>
-                <a:rPr lang="en-US" sz="1100">
+                <a:rPr lang="en-US" sz="1100" dirty="0">
                   <a:latin typeface="Arial" panose="020B0604020202020204" pitchFamily="34" charset="0"/>
                   <a:cs typeface="Arial" panose="020B0604020202020204" pitchFamily="34" charset="0"/>
                 </a:rPr>

--- a/docs/diagrams/TransferCommand.pptx
+++ b/docs/diagrams/TransferCommand.pptx
@@ -3361,7 +3361,7 @@
         </p:nvGrpSpPr>
         <p:grpSpPr>
           <a:xfrm>
-            <a:off x="119153" y="81366"/>
+            <a:off x="119153" y="70215"/>
             <a:ext cx="11996348" cy="6777310"/>
             <a:chOff x="119153" y="81366"/>
             <a:chExt cx="11996348" cy="6777310"/>
@@ -3596,7 +3596,7 @@
             <a:p>
               <a:pPr algn="ctr"/>
               <a:r>
-                <a:rPr lang="en-US" sz="1100">
+                <a:rPr lang="en-US" sz="1100" dirty="0">
                   <a:latin typeface="Arial" panose="020B0604020202020204" pitchFamily="34" charset="0"/>
                   <a:cs typeface="Arial" panose="020B0604020202020204" pitchFamily="34" charset="0"/>
                 </a:rPr>
@@ -5543,10 +5543,10 @@
           </p:nvGrpSpPr>
           <p:grpSpPr>
             <a:xfrm>
-              <a:off x="5168547" y="3108506"/>
-              <a:ext cx="2981397" cy="978733"/>
-              <a:chOff x="5050573" y="1057279"/>
-              <a:chExt cx="6728823" cy="3358700"/>
+              <a:off x="5169456" y="3108506"/>
+              <a:ext cx="2980488" cy="978733"/>
+              <a:chOff x="5052624" y="1057279"/>
+              <a:chExt cx="6726772" cy="3358700"/>
             </a:xfrm>
           </p:grpSpPr>
           <p:sp>
@@ -5563,7 +5563,7 @@
             </p:nvSpPr>
             <p:spPr>
               <a:xfrm rot="10800000" flipH="1">
-                <a:off x="5050573" y="1057282"/>
+                <a:off x="5075740" y="1057282"/>
                 <a:ext cx="866214" cy="749538"/>
               </a:xfrm>
               <a:prstGeom prst="snipRoundRect">
@@ -5879,44 +5879,6 @@
         </p:sp>
         <p:sp>
           <p:nvSpPr>
-            <p:cNvPr id="55" name="TextBox 54">
-              <a:extLst>
-                <a:ext uri="{FF2B5EF4-FFF2-40B4-BE49-F238E27FC236}">
-                  <a16:creationId xmlns:a16="http://schemas.microsoft.com/office/drawing/2014/main" id="{A2C7B33C-FC5C-C44C-8789-67448B4D52B5}"/>
-                </a:ext>
-              </a:extLst>
-            </p:cNvPr>
-            <p:cNvSpPr txBox="1"/>
-            <p:nvPr/>
-          </p:nvSpPr>
-          <p:spPr>
-            <a:xfrm>
-              <a:off x="5154799" y="3091667"/>
-              <a:ext cx="452368" cy="261610"/>
-            </a:xfrm>
-            <a:prstGeom prst="rect">
-              <a:avLst/>
-            </a:prstGeom>
-            <a:noFill/>
-          </p:spPr>
-          <p:txBody>
-            <a:bodyPr wrap="none" rtlCol="0">
-              <a:spAutoFit/>
-            </a:bodyPr>
-            <a:lstStyle/>
-            <a:p>
-              <a:r>
-                <a:rPr lang="en-US" sz="1100">
-                  <a:latin typeface="Arial" panose="020B0604020202020204" pitchFamily="34" charset="0"/>
-                  <a:cs typeface="Arial" panose="020B0604020202020204" pitchFamily="34" charset="0"/>
-                </a:rPr>
-                <a:t>loop</a:t>
-              </a:r>
-            </a:p>
-          </p:txBody>
-        </p:sp>
-        <p:sp>
-          <p:nvSpPr>
             <p:cNvPr id="56" name="TextBox 55">
               <a:extLst>
                 <a:ext uri="{FF2B5EF4-FFF2-40B4-BE49-F238E27FC236}">
@@ -7184,6 +7146,14 @@
               <a:avLst/>
             </a:prstGeom>
             <a:noFill/>
+            <a:ln>
+              <a:solidFill>
+                <a:schemeClr val="tx1">
+                  <a:lumMod val="50000"/>
+                  <a:lumOff val="50000"/>
+                </a:schemeClr>
+              </a:solidFill>
+            </a:ln>
           </p:spPr>
           <p:style>
             <a:lnRef idx="2">
@@ -7288,6 +7258,44 @@
           </p:txBody>
         </p:sp>
       </p:grpSp>
+      <p:sp>
+        <p:nvSpPr>
+          <p:cNvPr id="93" name="TextBox 92">
+            <a:extLst>
+              <a:ext uri="{FF2B5EF4-FFF2-40B4-BE49-F238E27FC236}">
+                <a16:creationId xmlns:a16="http://schemas.microsoft.com/office/drawing/2014/main" id="{C43DDAAD-CCE9-6F4E-AD49-8FFC120CD719}"/>
+              </a:ext>
+            </a:extLst>
+          </p:cNvPr>
+          <p:cNvSpPr txBox="1"/>
+          <p:nvPr/>
+        </p:nvSpPr>
+        <p:spPr>
+          <a:xfrm>
+            <a:off x="5154799" y="3080516"/>
+            <a:ext cx="452368" cy="261610"/>
+          </a:xfrm>
+          <a:prstGeom prst="rect">
+            <a:avLst/>
+          </a:prstGeom>
+          <a:noFill/>
+        </p:spPr>
+        <p:txBody>
+          <a:bodyPr wrap="none" rtlCol="0">
+            <a:spAutoFit/>
+          </a:bodyPr>
+          <a:lstStyle/>
+          <a:p>
+            <a:r>
+              <a:rPr lang="en-US" sz="1100" dirty="0">
+                <a:latin typeface="Arial" panose="020B0604020202020204" pitchFamily="34" charset="0"/>
+                <a:cs typeface="Arial" panose="020B0604020202020204" pitchFamily="34" charset="0"/>
+              </a:rPr>
+              <a:t>loop</a:t>
+            </a:r>
+          </a:p>
+        </p:txBody>
+      </p:sp>
     </p:spTree>
     <p:extLst>
       <p:ext uri="{BB962C8B-B14F-4D97-AF65-F5344CB8AC3E}">
